--- a/lessons_I/5-8/les_2_var/les_2_var.pptx
+++ b/lessons_I/5-8/les_2_var/les_2_var.pptx
@@ -5394,7 +5394,7 @@
                 <a:latin typeface="Calibri"/>
                 <a:ea typeface="Calibri"/>
               </a:rPr>
-              <a:t>7</a:t>
+              <a:t>2</a:t>
             </a:r>
             <a:r>
               <a:rPr lang="ru-RU" sz="1400" b="0" strike="noStrike" spc="-1" dirty="0" smtClean="0">
@@ -8264,10 +8264,6 @@
               </a:rPr>
               <a:t>Введенное число сохраняется в переменной a.</a:t>
             </a:r>
-            <a:endParaRPr lang="ru-RU" spc="-1" dirty="0">
-              <a:latin typeface="Calibri" panose="020F0502020204030204" pitchFamily="34" charset="0"/>
-              <a:cs typeface="Calibri" panose="020F0502020204030204" pitchFamily="34" charset="0"/>
-            </a:endParaRPr>
           </a:p>
         </p:txBody>
       </p:sp>
@@ -14385,7 +14381,7 @@
                 <a:latin typeface="Calibri"/>
                 <a:ea typeface="Calibri"/>
               </a:rPr>
-              <a:t>7</a:t>
+              <a:t>2</a:t>
             </a:r>
             <a:r>
               <a:rPr lang="ru-RU" sz="1400" b="0" strike="noStrike" spc="-1" dirty="0" smtClean="0">
@@ -14982,10 +14978,6 @@
               </a:rPr>
               <a:t>Задание</a:t>
             </a:r>
-            <a:endParaRPr lang="ru-RU" b="1" dirty="0" smtClean="0">
-              <a:latin typeface="Calibri" panose="020F0502020204030204" pitchFamily="34" charset="0"/>
-              <a:cs typeface="Calibri" panose="020F0502020204030204" pitchFamily="34" charset="0"/>
-            </a:endParaRPr>
           </a:p>
           <a:p>
             <a:endParaRPr lang="ru-RU" dirty="0" smtClean="0">
@@ -15044,10 +15036,6 @@
               </a:rPr>
               <a:t>*</a:t>
             </a:r>
-            <a:endParaRPr lang="en-US" dirty="0" smtClean="0">
-              <a:latin typeface="Calibri" panose="020F0502020204030204" pitchFamily="34" charset="0"/>
-              <a:cs typeface="Calibri" panose="020F0502020204030204" pitchFamily="34" charset="0"/>
-            </a:endParaRPr>
           </a:p>
           <a:p>
             <a:r>
@@ -15071,10 +15059,6 @@
               </a:rPr>
               <a:t>)</a:t>
             </a:r>
-            <a:endParaRPr lang="ru-RU" dirty="0" smtClean="0">
-              <a:latin typeface="Calibri" panose="020F0502020204030204" pitchFamily="34" charset="0"/>
-              <a:cs typeface="Calibri" panose="020F0502020204030204" pitchFamily="34" charset="0"/>
-            </a:endParaRPr>
           </a:p>
           <a:p>
             <a:endParaRPr lang="ru-RU" dirty="0">
@@ -15815,7 +15799,16 @@
                 </a:solidFill>
                 <a:latin typeface="Calibri"/>
               </a:rPr>
-              <a:t>Познакомится с стандартным вводом и выводом в С++</a:t>
+              <a:t>Познакомиться </a:t>
+            </a:r>
+            <a:r>
+              <a:rPr lang="ru-RU" sz="1400" spc="-1" dirty="0" smtClean="0">
+                <a:solidFill>
+                  <a:srgbClr val="000000"/>
+                </a:solidFill>
+                <a:latin typeface="Calibri"/>
+              </a:rPr>
+              <a:t>с стандартным вводом и выводом в С++</a:t>
             </a:r>
           </a:p>
           <a:p>
@@ -15836,7 +15829,16 @@
                 </a:solidFill>
                 <a:latin typeface="Calibri"/>
               </a:rPr>
-              <a:t>Познакомится с переменными и типами данных</a:t>
+              <a:t>Познакомиться </a:t>
+            </a:r>
+            <a:r>
+              <a:rPr lang="ru-RU" sz="1400" spc="-1" dirty="0" smtClean="0">
+                <a:solidFill>
+                  <a:srgbClr val="000000"/>
+                </a:solidFill>
+                <a:latin typeface="Calibri"/>
+              </a:rPr>
+              <a:t>с переменными и типами данных</a:t>
             </a:r>
           </a:p>
           <a:p>
@@ -15857,7 +15859,16 @@
                 </a:solidFill>
                 <a:latin typeface="Calibri"/>
               </a:rPr>
-              <a:t>Научится использовать арифметические операции с переменными</a:t>
+              <a:t>Научиться </a:t>
+            </a:r>
+            <a:r>
+              <a:rPr lang="ru-RU" sz="1400" spc="-1" dirty="0" smtClean="0">
+                <a:solidFill>
+                  <a:srgbClr val="000000"/>
+                </a:solidFill>
+                <a:latin typeface="Calibri"/>
+              </a:rPr>
+              <a:t>использовать арифметические операции с переменными</a:t>
             </a:r>
             <a:endParaRPr lang="ru-RU" sz="1400" spc="-1" dirty="0">
               <a:solidFill>
@@ -16563,17 +16574,7 @@
                 <a:latin typeface="Calibri"/>
                 <a:ea typeface="Calibri"/>
               </a:rPr>
-              <a:t> </a:t>
-            </a:r>
-            <a:r>
-              <a:rPr lang="ru-RU" sz="1400" b="0" strike="noStrike" spc="-1" dirty="0" smtClean="0">
-                <a:solidFill>
-                  <a:srgbClr val="000000"/>
-                </a:solidFill>
-                <a:latin typeface="Calibri"/>
-                <a:ea typeface="Calibri"/>
-              </a:rPr>
-              <a:t>в С++</a:t>
+              <a:t> в С++</a:t>
             </a:r>
             <a:endParaRPr lang="ru-RU" sz="1400" b="0" strike="noStrike" spc="-1" dirty="0">
               <a:latin typeface="Arial"/>
@@ -16596,25 +16597,8 @@
                 <a:latin typeface="Calibri"/>
                 <a:ea typeface="Calibri"/>
               </a:rPr>
-              <a:t>Работать с </a:t>
-            </a:r>
-            <a:r>
-              <a:rPr lang="ru-RU" sz="1400" b="0" strike="noStrike" spc="-1" dirty="0" smtClean="0">
-                <a:solidFill>
-                  <a:srgbClr val="000000"/>
-                </a:solidFill>
-                <a:latin typeface="Calibri"/>
-                <a:ea typeface="Calibri"/>
-              </a:rPr>
-              <a:t>стандартным вводом и выводом</a:t>
-            </a:r>
-            <a:endParaRPr lang="ru-RU" sz="1400" b="0" strike="noStrike" spc="-1" dirty="0" smtClean="0">
-              <a:solidFill>
-                <a:srgbClr val="000000"/>
-              </a:solidFill>
-              <a:latin typeface="Calibri"/>
-              <a:ea typeface="Calibri"/>
-            </a:endParaRPr>
+              <a:t>Работать с стандартным вводом и выводом</a:t>
+            </a:r>
           </a:p>
           <a:p>
             <a:pPr marL="216000" indent="-216000">
@@ -19009,7 +18993,7 @@
                 <a:latin typeface="Calibri"/>
                 <a:ea typeface="Calibri"/>
               </a:rPr>
-              <a:t>7</a:t>
+              <a:t>2</a:t>
             </a:r>
             <a:r>
               <a:rPr lang="ru-RU" sz="1400" b="0" strike="noStrike" spc="-1" dirty="0" smtClean="0">

--- a/lessons_I/5-8/les_2_var/les_2_var.pptx
+++ b/lessons_I/5-8/les_2_var/les_2_var.pptx
@@ -235,7 +235,7 @@
           <a:p>
             <a:fld id="{D1E6144D-2DF5-4C90-871D-7CFEB4D0C6A7}" type="datetimeFigureOut">
               <a:rPr lang="en-US" smtClean="0"/>
-              <a:t>10/19/2019</a:t>
+              <a:t>10/27/2019</a:t>
             </a:fld>
             <a:endParaRPr lang="en-US"/>
           </a:p>
@@ -15046,11 +15046,11 @@
               <a:t>Также выведите среднее арифметическое двух чисел (среднее арифметическое нескольких чисел – это их сумма заданных чисел, делённая на их </a:t>
             </a:r>
             <a:r>
-              <a:rPr lang="ru-RU" dirty="0" err="1" smtClean="0">
-                <a:latin typeface="Calibri" panose="020F0502020204030204" pitchFamily="34" charset="0"/>
-                <a:cs typeface="Calibri" panose="020F0502020204030204" pitchFamily="34" charset="0"/>
-              </a:rPr>
-              <a:t>количсетво</a:t>
+              <a:rPr lang="ru-RU" dirty="0" smtClean="0">
+                <a:latin typeface="Calibri" panose="020F0502020204030204" pitchFamily="34" charset="0"/>
+                <a:cs typeface="Calibri" panose="020F0502020204030204" pitchFamily="34" charset="0"/>
+              </a:rPr>
+              <a:t>количество</a:t>
             </a:r>
             <a:r>
               <a:rPr lang="ru-RU" dirty="0" smtClean="0">
@@ -15799,8 +15799,20 @@
                 </a:solidFill>
                 <a:latin typeface="Calibri"/>
               </a:rPr>
-              <a:t>Познакомиться </a:t>
-            </a:r>
+              <a:t>Познакомиться с стандартным вводом и выводом в С++</a:t>
+            </a:r>
+          </a:p>
+          <a:p>
+            <a:pPr marL="171360" indent="-169920">
+              <a:lnSpc>
+                <a:spcPct val="100000"/>
+              </a:lnSpc>
+              <a:buClr>
+                <a:srgbClr val="000000"/>
+              </a:buClr>
+              <a:buFont typeface="Arial"/>
+              <a:buChar char="•"/>
+            </a:pPr>
             <a:r>
               <a:rPr lang="ru-RU" sz="1400" spc="-1" dirty="0" smtClean="0">
                 <a:solidFill>
@@ -15808,7 +15820,7 @@
                 </a:solidFill>
                 <a:latin typeface="Calibri"/>
               </a:rPr>
-              <a:t>с стандартным вводом и выводом в С++</a:t>
+              <a:t>Познакомиться с переменными и типами данных</a:t>
             </a:r>
           </a:p>
           <a:p>
@@ -15829,46 +15841,7 @@
                 </a:solidFill>
                 <a:latin typeface="Calibri"/>
               </a:rPr>
-              <a:t>Познакомиться </a:t>
-            </a:r>
-            <a:r>
-              <a:rPr lang="ru-RU" sz="1400" spc="-1" dirty="0" smtClean="0">
-                <a:solidFill>
-                  <a:srgbClr val="000000"/>
-                </a:solidFill>
-                <a:latin typeface="Calibri"/>
-              </a:rPr>
-              <a:t>с переменными и типами данных</a:t>
-            </a:r>
-          </a:p>
-          <a:p>
-            <a:pPr marL="171360" indent="-169920">
-              <a:lnSpc>
-                <a:spcPct val="100000"/>
-              </a:lnSpc>
-              <a:buClr>
-                <a:srgbClr val="000000"/>
-              </a:buClr>
-              <a:buFont typeface="Arial"/>
-              <a:buChar char="•"/>
-            </a:pPr>
-            <a:r>
-              <a:rPr lang="ru-RU" sz="1400" spc="-1" dirty="0" smtClean="0">
-                <a:solidFill>
-                  <a:srgbClr val="000000"/>
-                </a:solidFill>
-                <a:latin typeface="Calibri"/>
-              </a:rPr>
-              <a:t>Научиться </a:t>
-            </a:r>
-            <a:r>
-              <a:rPr lang="ru-RU" sz="1400" spc="-1" dirty="0" smtClean="0">
-                <a:solidFill>
-                  <a:srgbClr val="000000"/>
-                </a:solidFill>
-                <a:latin typeface="Calibri"/>
-              </a:rPr>
-              <a:t>использовать арифметические операции с переменными</a:t>
+              <a:t>Научиться использовать арифметические операции с переменными</a:t>
             </a:r>
             <a:endParaRPr lang="ru-RU" sz="1400" spc="-1" dirty="0">
               <a:solidFill>

--- a/lessons_I/5-8/les_2_var/les_2_var.pptx
+++ b/lessons_I/5-8/les_2_var/les_2_var.pptx
@@ -235,7 +235,7 @@
           <a:p>
             <a:fld id="{D1E6144D-2DF5-4C90-871D-7CFEB4D0C6A7}" type="datetimeFigureOut">
               <a:rPr lang="en-US" smtClean="0"/>
-              <a:t>10/27/2019</a:t>
+              <a:t>10/29/2019</a:t>
             </a:fld>
             <a:endParaRPr lang="en-US"/>
           </a:p>
@@ -7351,6 +7351,17 @@
               </a:rPr>
               <a:t>Ввод пользователем </a:t>
             </a:r>
+            <a:r>
+              <a:rPr lang="ru-RU" b="1" spc="-1" dirty="0" smtClean="0">
+                <a:latin typeface="Calibri" panose="020F0502020204030204" pitchFamily="34" charset="0"/>
+                <a:cs typeface="Calibri" panose="020F0502020204030204" pitchFamily="34" charset="0"/>
+              </a:rPr>
+              <a:t>(стандартный поток ввода)</a:t>
+            </a:r>
+            <a:endParaRPr lang="ru-RU" b="1" spc="-1" dirty="0">
+              <a:latin typeface="Calibri" panose="020F0502020204030204" pitchFamily="34" charset="0"/>
+              <a:cs typeface="Calibri" panose="020F0502020204030204" pitchFamily="34" charset="0"/>
+            </a:endParaRPr>
           </a:p>
           <a:p>
             <a:r>
@@ -12423,7 +12434,7 @@
                 <a:latin typeface="Calibri" panose="020F0502020204030204" pitchFamily="34" charset="0"/>
                 <a:cs typeface="Calibri" panose="020F0502020204030204" pitchFamily="34" charset="0"/>
               </a:rPr>
-              <a:t>190</a:t>
+              <a:t>19</a:t>
             </a:r>
             <a:endParaRPr lang="ru-RU" sz="1200" b="0" strike="noStrike" spc="-1" dirty="0">
               <a:latin typeface="Calibri" panose="020F0502020204030204" pitchFamily="34" charset="0"/>
@@ -15043,21 +15054,7 @@
                 <a:latin typeface="Calibri" panose="020F0502020204030204" pitchFamily="34" charset="0"/>
                 <a:cs typeface="Calibri" panose="020F0502020204030204" pitchFamily="34" charset="0"/>
               </a:rPr>
-              <a:t>Также выведите среднее арифметическое двух чисел (среднее арифметическое нескольких чисел – это их сумма заданных чисел, делённая на их </a:t>
-            </a:r>
-            <a:r>
-              <a:rPr lang="ru-RU" dirty="0" smtClean="0">
-                <a:latin typeface="Calibri" panose="020F0502020204030204" pitchFamily="34" charset="0"/>
-                <a:cs typeface="Calibri" panose="020F0502020204030204" pitchFamily="34" charset="0"/>
-              </a:rPr>
-              <a:t>количество</a:t>
-            </a:r>
-            <a:r>
-              <a:rPr lang="ru-RU" dirty="0" smtClean="0">
-                <a:latin typeface="Calibri" panose="020F0502020204030204" pitchFamily="34" charset="0"/>
-                <a:cs typeface="Calibri" panose="020F0502020204030204" pitchFamily="34" charset="0"/>
-              </a:rPr>
-              <a:t>)</a:t>
+              <a:t>Также выведите среднее арифметическое двух чисел (среднее арифметическое нескольких чисел – это их сумма заданных чисел, делённая на их количество)</a:t>
             </a:r>
           </a:p>
           <a:p>
@@ -19678,7 +19675,7 @@
         <p:spPr>
           <a:xfrm>
             <a:off x="529018" y="2063838"/>
-            <a:ext cx="3038992" cy="3672822"/>
+            <a:ext cx="3038992" cy="4338042"/>
           </a:xfrm>
           <a:prstGeom prst="rect">
             <a:avLst/>
@@ -19742,7 +19739,21 @@
                 <a:latin typeface="Calibri" panose="020F0502020204030204" pitchFamily="34" charset="0"/>
                 <a:cs typeface="Calibri" panose="020F0502020204030204" pitchFamily="34" charset="0"/>
               </a:rPr>
-              <a:t>Комментариями называются пояснительные выражения, которые вы можете включать в ваш код на языке C++, чтобы объяснить что именно выполняет программа.  </a:t>
+              <a:t>Комментариями называются пояснительные выражения, которые вы можете включать в ваш код на языке C++, чтобы </a:t>
+            </a:r>
+            <a:r>
+              <a:rPr lang="ru-RU" spc="-1" dirty="0" smtClean="0">
+                <a:latin typeface="Calibri" panose="020F0502020204030204" pitchFamily="34" charset="0"/>
+                <a:cs typeface="Calibri" panose="020F0502020204030204" pitchFamily="34" charset="0"/>
+              </a:rPr>
+              <a:t>объяснить, </a:t>
+            </a:r>
+            <a:r>
+              <a:rPr lang="ru-RU" spc="-1" dirty="0">
+                <a:latin typeface="Calibri" panose="020F0502020204030204" pitchFamily="34" charset="0"/>
+                <a:cs typeface="Calibri" panose="020F0502020204030204" pitchFamily="34" charset="0"/>
+              </a:rPr>
+              <a:t>что именно выполняет программа.  </a:t>
             </a:r>
           </a:p>
           <a:p>
